--- a/color.pptx
+++ b/color.pptx
@@ -243,7 +243,7 @@
           <a:p>
             <a:fld id="{71CECD4B-6062-488B-98A6-3E74A04FEAFD}" type="datetimeFigureOut">
               <a:rPr lang="ko-KR" altLang="en-US" smtClean="0"/>
-              <a:t>2017-05-23</a:t>
+              <a:t>2017-05-24</a:t>
             </a:fld>
             <a:endParaRPr lang="ko-KR" altLang="en-US"/>
           </a:p>
@@ -413,7 +413,7 @@
           <a:p>
             <a:fld id="{71CECD4B-6062-488B-98A6-3E74A04FEAFD}" type="datetimeFigureOut">
               <a:rPr lang="ko-KR" altLang="en-US" smtClean="0"/>
-              <a:t>2017-05-23</a:t>
+              <a:t>2017-05-24</a:t>
             </a:fld>
             <a:endParaRPr lang="ko-KR" altLang="en-US"/>
           </a:p>
@@ -593,7 +593,7 @@
           <a:p>
             <a:fld id="{71CECD4B-6062-488B-98A6-3E74A04FEAFD}" type="datetimeFigureOut">
               <a:rPr lang="ko-KR" altLang="en-US" smtClean="0"/>
-              <a:t>2017-05-23</a:t>
+              <a:t>2017-05-24</a:t>
             </a:fld>
             <a:endParaRPr lang="ko-KR" altLang="en-US"/>
           </a:p>
@@ -763,7 +763,7 @@
           <a:p>
             <a:fld id="{71CECD4B-6062-488B-98A6-3E74A04FEAFD}" type="datetimeFigureOut">
               <a:rPr lang="ko-KR" altLang="en-US" smtClean="0"/>
-              <a:t>2017-05-23</a:t>
+              <a:t>2017-05-24</a:t>
             </a:fld>
             <a:endParaRPr lang="ko-KR" altLang="en-US"/>
           </a:p>
@@ -1009,7 +1009,7 @@
           <a:p>
             <a:fld id="{71CECD4B-6062-488B-98A6-3E74A04FEAFD}" type="datetimeFigureOut">
               <a:rPr lang="ko-KR" altLang="en-US" smtClean="0"/>
-              <a:t>2017-05-23</a:t>
+              <a:t>2017-05-24</a:t>
             </a:fld>
             <a:endParaRPr lang="ko-KR" altLang="en-US"/>
           </a:p>
@@ -1241,7 +1241,7 @@
           <a:p>
             <a:fld id="{71CECD4B-6062-488B-98A6-3E74A04FEAFD}" type="datetimeFigureOut">
               <a:rPr lang="ko-KR" altLang="en-US" smtClean="0"/>
-              <a:t>2017-05-23</a:t>
+              <a:t>2017-05-24</a:t>
             </a:fld>
             <a:endParaRPr lang="ko-KR" altLang="en-US"/>
           </a:p>
@@ -1608,7 +1608,7 @@
           <a:p>
             <a:fld id="{71CECD4B-6062-488B-98A6-3E74A04FEAFD}" type="datetimeFigureOut">
               <a:rPr lang="ko-KR" altLang="en-US" smtClean="0"/>
-              <a:t>2017-05-23</a:t>
+              <a:t>2017-05-24</a:t>
             </a:fld>
             <a:endParaRPr lang="ko-KR" altLang="en-US"/>
           </a:p>
@@ -1726,7 +1726,7 @@
           <a:p>
             <a:fld id="{71CECD4B-6062-488B-98A6-3E74A04FEAFD}" type="datetimeFigureOut">
               <a:rPr lang="ko-KR" altLang="en-US" smtClean="0"/>
-              <a:t>2017-05-23</a:t>
+              <a:t>2017-05-24</a:t>
             </a:fld>
             <a:endParaRPr lang="ko-KR" altLang="en-US"/>
           </a:p>
@@ -1821,7 +1821,7 @@
           <a:p>
             <a:fld id="{71CECD4B-6062-488B-98A6-3E74A04FEAFD}" type="datetimeFigureOut">
               <a:rPr lang="ko-KR" altLang="en-US" smtClean="0"/>
-              <a:t>2017-05-23</a:t>
+              <a:t>2017-05-24</a:t>
             </a:fld>
             <a:endParaRPr lang="ko-KR" altLang="en-US"/>
           </a:p>
@@ -2098,7 +2098,7 @@
           <a:p>
             <a:fld id="{71CECD4B-6062-488B-98A6-3E74A04FEAFD}" type="datetimeFigureOut">
               <a:rPr lang="ko-KR" altLang="en-US" smtClean="0"/>
-              <a:t>2017-05-23</a:t>
+              <a:t>2017-05-24</a:t>
             </a:fld>
             <a:endParaRPr lang="ko-KR" altLang="en-US"/>
           </a:p>
@@ -2351,7 +2351,7 @@
           <a:p>
             <a:fld id="{71CECD4B-6062-488B-98A6-3E74A04FEAFD}" type="datetimeFigureOut">
               <a:rPr lang="ko-KR" altLang="en-US" smtClean="0"/>
-              <a:t>2017-05-23</a:t>
+              <a:t>2017-05-24</a:t>
             </a:fld>
             <a:endParaRPr lang="ko-KR" altLang="en-US"/>
           </a:p>
@@ -2564,7 +2564,7 @@
           <a:p>
             <a:fld id="{71CECD4B-6062-488B-98A6-3E74A04FEAFD}" type="datetimeFigureOut">
               <a:rPr lang="ko-KR" altLang="en-US" smtClean="0"/>
-              <a:t>2017-05-23</a:t>
+              <a:t>2017-05-24</a:t>
             </a:fld>
             <a:endParaRPr lang="ko-KR" altLang="en-US"/>
           </a:p>

--- a/color.pptx
+++ b/color.pptx
@@ -3009,8 +3009,8 @@
         </p:blipFill>
         <p:spPr>
           <a:xfrm>
-            <a:off x="0" y="3409951"/>
-            <a:ext cx="6129868" cy="3448050"/>
+            <a:off x="-1" y="-1151927"/>
+            <a:ext cx="14239875" cy="8009928"/>
           </a:xfrm>
           <a:prstGeom prst="rect">
             <a:avLst/>
@@ -3158,7 +3158,7 @@
           <p:nvPr>
             <p:extLst>
               <p:ext uri="{D42A27DB-BD31-4B8C-83A1-F6EECF244321}">
-                <p14:modId xmlns:p14="http://schemas.microsoft.com/office/powerpoint/2010/main" val="862405001"/>
+                <p14:modId xmlns:p14="http://schemas.microsoft.com/office/powerpoint/2010/main" val="1298668533"/>
               </p:ext>
             </p:extLst>
           </p:nvPr>
@@ -3226,15 +3226,23 @@
                     <a:p>
                       <a:pPr latinLnBrk="1"/>
                       <a:r>
-                        <a:rPr lang="en-US" altLang="ko-KR" dirty="0" smtClean="0"/>
-                        <a:t>#C7A544</a:t>
+                        <a:rPr lang="en-US" altLang="ko-KR" sz="1800" b="0" i="0" kern="1200" dirty="0" smtClean="0">
+                          <a:solidFill>
+                            <a:schemeClr val="lt1"/>
+                          </a:solidFill>
+                          <a:effectLst/>
+                          <a:latin typeface="+mn-lt"/>
+                          <a:ea typeface="+mn-ea"/>
+                          <a:cs typeface="+mn-cs"/>
+                        </a:rPr>
+                        <a:t>#FFCF43</a:t>
                       </a:r>
                       <a:endParaRPr lang="ko-KR" altLang="en-US" dirty="0"/>
                     </a:p>
                   </a:txBody>
                   <a:tcPr>
                     <a:solidFill>
-                      <a:srgbClr val="C7A544"/>
+                      <a:srgbClr val="BA9C45"/>
                     </a:solidFill>
                   </a:tcPr>
                 </a:tc>
